--- a/slides/0x200/0x202 - Confidentiality.pptx
+++ b/slides/0x200/0x202 - Confidentiality.pptx
@@ -270,7 +270,7 @@
           <a:p>
             <a:fld id="{284D57D4-96EB-485F-885D-A03F9F5EA4CF}" type="datetimeFigureOut">
               <a:rPr lang="en-CA" smtClean="0"/>
-              <a:t>2020-10-13</a:t>
+              <a:t>2023-09-28</a:t>
             </a:fld>
             <a:endParaRPr lang="en-CA"/>
           </a:p>
@@ -470,7 +470,7 @@
           <a:p>
             <a:fld id="{284D57D4-96EB-485F-885D-A03F9F5EA4CF}" type="datetimeFigureOut">
               <a:rPr lang="en-CA" smtClean="0"/>
-              <a:t>2020-10-13</a:t>
+              <a:t>2023-09-28</a:t>
             </a:fld>
             <a:endParaRPr lang="en-CA"/>
           </a:p>
@@ -680,7 +680,7 @@
           <a:p>
             <a:fld id="{284D57D4-96EB-485F-885D-A03F9F5EA4CF}" type="datetimeFigureOut">
               <a:rPr lang="en-CA" smtClean="0"/>
-              <a:t>2020-10-13</a:t>
+              <a:t>2023-09-28</a:t>
             </a:fld>
             <a:endParaRPr lang="en-CA"/>
           </a:p>
@@ -880,7 +880,7 @@
           <a:p>
             <a:fld id="{284D57D4-96EB-485F-885D-A03F9F5EA4CF}" type="datetimeFigureOut">
               <a:rPr lang="en-CA" smtClean="0"/>
-              <a:t>2020-10-13</a:t>
+              <a:t>2023-09-28</a:t>
             </a:fld>
             <a:endParaRPr lang="en-CA"/>
           </a:p>
@@ -1156,7 +1156,7 @@
           <a:p>
             <a:fld id="{284D57D4-96EB-485F-885D-A03F9F5EA4CF}" type="datetimeFigureOut">
               <a:rPr lang="en-CA" smtClean="0"/>
-              <a:t>2020-10-13</a:t>
+              <a:t>2023-09-28</a:t>
             </a:fld>
             <a:endParaRPr lang="en-CA"/>
           </a:p>
@@ -1424,7 +1424,7 @@
           <a:p>
             <a:fld id="{284D57D4-96EB-485F-885D-A03F9F5EA4CF}" type="datetimeFigureOut">
               <a:rPr lang="en-CA" smtClean="0"/>
-              <a:t>2020-10-13</a:t>
+              <a:t>2023-09-28</a:t>
             </a:fld>
             <a:endParaRPr lang="en-CA"/>
           </a:p>
@@ -1839,7 +1839,7 @@
           <a:p>
             <a:fld id="{284D57D4-96EB-485F-885D-A03F9F5EA4CF}" type="datetimeFigureOut">
               <a:rPr lang="en-CA" smtClean="0"/>
-              <a:t>2020-10-13</a:t>
+              <a:t>2023-09-28</a:t>
             </a:fld>
             <a:endParaRPr lang="en-CA"/>
           </a:p>
@@ -1981,7 +1981,7 @@
           <a:p>
             <a:fld id="{284D57D4-96EB-485F-885D-A03F9F5EA4CF}" type="datetimeFigureOut">
               <a:rPr lang="en-CA" smtClean="0"/>
-              <a:t>2020-10-13</a:t>
+              <a:t>2023-09-28</a:t>
             </a:fld>
             <a:endParaRPr lang="en-CA"/>
           </a:p>
@@ -2094,7 +2094,7 @@
           <a:p>
             <a:fld id="{284D57D4-96EB-485F-885D-A03F9F5EA4CF}" type="datetimeFigureOut">
               <a:rPr lang="en-CA" smtClean="0"/>
-              <a:t>2020-10-13</a:t>
+              <a:t>2023-09-28</a:t>
             </a:fld>
             <a:endParaRPr lang="en-CA"/>
           </a:p>
@@ -2407,7 +2407,7 @@
           <a:p>
             <a:fld id="{284D57D4-96EB-485F-885D-A03F9F5EA4CF}" type="datetimeFigureOut">
               <a:rPr lang="en-CA" smtClean="0"/>
-              <a:t>2020-10-13</a:t>
+              <a:t>2023-09-28</a:t>
             </a:fld>
             <a:endParaRPr lang="en-CA"/>
           </a:p>
@@ -2696,7 +2696,7 @@
           <a:p>
             <a:fld id="{284D57D4-96EB-485F-885D-A03F9F5EA4CF}" type="datetimeFigureOut">
               <a:rPr lang="en-CA" smtClean="0"/>
-              <a:t>2020-10-13</a:t>
+              <a:t>2023-09-28</a:t>
             </a:fld>
             <a:endParaRPr lang="en-CA"/>
           </a:p>
@@ -2939,7 +2939,7 @@
           <a:p>
             <a:fld id="{284D57D4-96EB-485F-885D-A03F9F5EA4CF}" type="datetimeFigureOut">
               <a:rPr lang="en-CA" smtClean="0"/>
-              <a:t>2020-10-13</a:t>
+              <a:t>2023-09-28</a:t>
             </a:fld>
             <a:endParaRPr lang="en-CA"/>
           </a:p>
@@ -5494,7 +5494,7 @@
           <a:p>
             <a:r>
               <a:rPr lang="en-US" dirty="0"/>
-              <a:t>Related Attacks – Reply Attacks</a:t>
+              <a:t>Related Attacks – Replay Attacks</a:t>
             </a:r>
             <a:endParaRPr lang="en-CA" dirty="0"/>
           </a:p>
